--- a/docs/Diagrams.pptx
+++ b/docs/Diagrams.pptx
@@ -211,7 +211,7 @@
           <a:p>
             <a:fld id="{F5CC4B3F-88C1-4FFA-B1B6-F41C21DC6924}" type="datetimeFigureOut">
               <a:rPr lang="en-US" smtClean="0"/>
-              <a:t>8/9/2018</a:t>
+              <a:t>8/12/2018</a:t>
             </a:fld>
             <a:endParaRPr lang="en-US"/>
           </a:p>
@@ -741,7 +741,7 @@
           <a:p>
             <a:fld id="{78C97017-6FC3-485B-9764-EAC9E56C1D49}" type="datetimeFigureOut">
               <a:rPr lang="en-US" smtClean="0"/>
-              <a:t>8/9/2018</a:t>
+              <a:t>8/12/2018</a:t>
             </a:fld>
             <a:endParaRPr lang="en-US"/>
           </a:p>
@@ -909,7 +909,7 @@
           <a:p>
             <a:fld id="{78C97017-6FC3-485B-9764-EAC9E56C1D49}" type="datetimeFigureOut">
               <a:rPr lang="en-US" smtClean="0"/>
-              <a:t>8/9/2018</a:t>
+              <a:t>8/12/2018</a:t>
             </a:fld>
             <a:endParaRPr lang="en-US"/>
           </a:p>
@@ -1087,7 +1087,7 @@
           <a:p>
             <a:fld id="{78C97017-6FC3-485B-9764-EAC9E56C1D49}" type="datetimeFigureOut">
               <a:rPr lang="en-US" smtClean="0"/>
-              <a:t>8/9/2018</a:t>
+              <a:t>8/12/2018</a:t>
             </a:fld>
             <a:endParaRPr lang="en-US"/>
           </a:p>
@@ -1255,7 +1255,7 @@
           <a:p>
             <a:fld id="{78C97017-6FC3-485B-9764-EAC9E56C1D49}" type="datetimeFigureOut">
               <a:rPr lang="en-US" smtClean="0"/>
-              <a:t>8/9/2018</a:t>
+              <a:t>8/12/2018</a:t>
             </a:fld>
             <a:endParaRPr lang="en-US"/>
           </a:p>
@@ -1500,7 +1500,7 @@
           <a:p>
             <a:fld id="{78C97017-6FC3-485B-9764-EAC9E56C1D49}" type="datetimeFigureOut">
               <a:rPr lang="en-US" smtClean="0"/>
-              <a:t>8/9/2018</a:t>
+              <a:t>8/12/2018</a:t>
             </a:fld>
             <a:endParaRPr lang="en-US"/>
           </a:p>
@@ -1785,7 +1785,7 @@
           <a:p>
             <a:fld id="{78C97017-6FC3-485B-9764-EAC9E56C1D49}" type="datetimeFigureOut">
               <a:rPr lang="en-US" smtClean="0"/>
-              <a:t>8/9/2018</a:t>
+              <a:t>8/12/2018</a:t>
             </a:fld>
             <a:endParaRPr lang="en-US"/>
           </a:p>
@@ -2204,7 +2204,7 @@
           <a:p>
             <a:fld id="{78C97017-6FC3-485B-9764-EAC9E56C1D49}" type="datetimeFigureOut">
               <a:rPr lang="en-US" smtClean="0"/>
-              <a:t>8/9/2018</a:t>
+              <a:t>8/12/2018</a:t>
             </a:fld>
             <a:endParaRPr lang="en-US"/>
           </a:p>
@@ -2321,7 +2321,7 @@
           <a:p>
             <a:fld id="{78C97017-6FC3-485B-9764-EAC9E56C1D49}" type="datetimeFigureOut">
               <a:rPr lang="en-US" smtClean="0"/>
-              <a:t>8/9/2018</a:t>
+              <a:t>8/12/2018</a:t>
             </a:fld>
             <a:endParaRPr lang="en-US"/>
           </a:p>
@@ -2416,7 +2416,7 @@
           <a:p>
             <a:fld id="{78C97017-6FC3-485B-9764-EAC9E56C1D49}" type="datetimeFigureOut">
               <a:rPr lang="en-US" smtClean="0"/>
-              <a:t>8/9/2018</a:t>
+              <a:t>8/12/2018</a:t>
             </a:fld>
             <a:endParaRPr lang="en-US"/>
           </a:p>
@@ -2691,7 +2691,7 @@
           <a:p>
             <a:fld id="{78C97017-6FC3-485B-9764-EAC9E56C1D49}" type="datetimeFigureOut">
               <a:rPr lang="en-US" smtClean="0"/>
-              <a:t>8/9/2018</a:t>
+              <a:t>8/12/2018</a:t>
             </a:fld>
             <a:endParaRPr lang="en-US"/>
           </a:p>
@@ -2943,7 +2943,7 @@
           <a:p>
             <a:fld id="{78C97017-6FC3-485B-9764-EAC9E56C1D49}" type="datetimeFigureOut">
               <a:rPr lang="en-US" smtClean="0"/>
-              <a:t>8/9/2018</a:t>
+              <a:t>8/12/2018</a:t>
             </a:fld>
             <a:endParaRPr lang="en-US"/>
           </a:p>
@@ -3154,7 +3154,7 @@
           <a:p>
             <a:fld id="{78C97017-6FC3-485B-9764-EAC9E56C1D49}" type="datetimeFigureOut">
               <a:rPr lang="en-US" smtClean="0"/>
-              <a:t>8/9/2018</a:t>
+              <a:t>8/12/2018</a:t>
             </a:fld>
             <a:endParaRPr lang="en-US"/>
           </a:p>
@@ -6715,6 +6715,45 @@
               <a:t>Tag</a:t>
             </a:r>
             <a:endParaRPr lang="en-SG" sz="1050" dirty="0"/>
+          </a:p>
+        </p:txBody>
+      </p:sp>
+      <p:sp>
+        <p:nvSpPr>
+          <p:cNvPr id="72" name="TextBox 71">
+            <a:extLst>
+              <a:ext uri="{FF2B5EF4-FFF2-40B4-BE49-F238E27FC236}">
+                <a16:creationId xmlns:a16="http://schemas.microsoft.com/office/drawing/2014/main" id="{2FD86085-ECFA-4F1D-8A0B-F61793DE7381}"/>
+              </a:ext>
+            </a:extLst>
+          </p:cNvPr>
+          <p:cNvSpPr txBox="1"/>
+          <p:nvPr/>
+        </p:nvSpPr>
+        <p:spPr>
+          <a:xfrm>
+            <a:off x="7945556" y="2928939"/>
+            <a:ext cx="88232" cy="369332"/>
+          </a:xfrm>
+          <a:prstGeom prst="rect">
+            <a:avLst/>
+          </a:prstGeom>
+          <a:noFill/>
+        </p:spPr>
+        <p:txBody>
+          <a:bodyPr wrap="square" rtlCol="0">
+            <a:spAutoFit/>
+          </a:bodyPr>
+          <a:lstStyle/>
+          <a:p>
+            <a:r>
+              <a:rPr lang="en-US" dirty="0">
+                <a:solidFill>
+                  <a:srgbClr val="7030A0"/>
+                </a:solidFill>
+              </a:rPr>
+              <a:t>*</a:t>
+            </a:r>
           </a:p>
         </p:txBody>
       </p:sp>

--- a/docs/Diagrams.pptx
+++ b/docs/Diagrams.pptx
@@ -211,7 +211,7 @@
           <a:p>
             <a:fld id="{F5CC4B3F-88C1-4FFA-B1B6-F41C21DC6924}" type="datetimeFigureOut">
               <a:rPr lang="en-US" smtClean="0"/>
-              <a:t>9/14/2017</a:t>
+              <a:t>8/9/2018</a:t>
             </a:fld>
             <a:endParaRPr lang="en-US"/>
           </a:p>
@@ -275,38 +275,37 @@
           <a:p>
             <a:pPr lvl="0"/>
             <a:r>
-              <a:rPr lang="en-US" smtClean="0"/>
+              <a:rPr lang="en-US"/>
               <a:t>Click to edit Master text styles</a:t>
             </a:r>
           </a:p>
           <a:p>
             <a:pPr lvl="1"/>
             <a:r>
-              <a:rPr lang="en-US" smtClean="0"/>
+              <a:rPr lang="en-US"/>
               <a:t>Second level</a:t>
             </a:r>
           </a:p>
           <a:p>
             <a:pPr lvl="2"/>
             <a:r>
-              <a:rPr lang="en-US" smtClean="0"/>
+              <a:rPr lang="en-US"/>
               <a:t>Third level</a:t>
             </a:r>
           </a:p>
           <a:p>
             <a:pPr lvl="3"/>
             <a:r>
-              <a:rPr lang="en-US" smtClean="0"/>
+              <a:rPr lang="en-US"/>
               <a:t>Fourth level</a:t>
             </a:r>
           </a:p>
           <a:p>
             <a:pPr lvl="4"/>
             <a:r>
-              <a:rPr lang="en-US" smtClean="0"/>
+              <a:rPr lang="en-US"/>
               <a:t>Fifth level</a:t>
             </a:r>
-            <a:endParaRPr lang="en-US"/>
           </a:p>
         </p:txBody>
       </p:sp>
@@ -601,10 +600,9 @@
           <a:lstStyle/>
           <a:p>
             <a:r>
-              <a:rPr lang="en-US" smtClean="0"/>
+              <a:rPr lang="en-US"/>
               <a:t>Click to edit Master title style</a:t>
             </a:r>
-            <a:endParaRPr lang="en-US"/>
           </a:p>
         </p:txBody>
       </p:sp>
@@ -720,10 +718,9 @@
           </a:lstStyle>
           <a:p>
             <a:r>
-              <a:rPr lang="en-US" smtClean="0"/>
+              <a:rPr lang="en-US"/>
               <a:t>Click to edit Master subtitle style</a:t>
             </a:r>
-            <a:endParaRPr lang="en-US"/>
           </a:p>
         </p:txBody>
       </p:sp>
@@ -744,7 +741,7 @@
           <a:p>
             <a:fld id="{78C97017-6FC3-485B-9764-EAC9E56C1D49}" type="datetimeFigureOut">
               <a:rPr lang="en-US" smtClean="0"/>
-              <a:t>9/14/2017</a:t>
+              <a:t>8/9/2018</a:t>
             </a:fld>
             <a:endParaRPr lang="en-US"/>
           </a:p>
@@ -838,10 +835,9 @@
           <a:lstStyle/>
           <a:p>
             <a:r>
-              <a:rPr lang="en-US" smtClean="0"/>
+              <a:rPr lang="en-US"/>
               <a:t>Click to edit Master title style</a:t>
             </a:r>
-            <a:endParaRPr lang="en-US"/>
           </a:p>
         </p:txBody>
       </p:sp>
@@ -862,38 +858,37 @@
           <a:p>
             <a:pPr lvl="0"/>
             <a:r>
-              <a:rPr lang="en-US" smtClean="0"/>
+              <a:rPr lang="en-US"/>
               <a:t>Click to edit Master text styles</a:t>
             </a:r>
           </a:p>
           <a:p>
             <a:pPr lvl="1"/>
             <a:r>
-              <a:rPr lang="en-US" smtClean="0"/>
+              <a:rPr lang="en-US"/>
               <a:t>Second level</a:t>
             </a:r>
           </a:p>
           <a:p>
             <a:pPr lvl="2"/>
             <a:r>
-              <a:rPr lang="en-US" smtClean="0"/>
+              <a:rPr lang="en-US"/>
               <a:t>Third level</a:t>
             </a:r>
           </a:p>
           <a:p>
             <a:pPr lvl="3"/>
             <a:r>
-              <a:rPr lang="en-US" smtClean="0"/>
+              <a:rPr lang="en-US"/>
               <a:t>Fourth level</a:t>
             </a:r>
           </a:p>
           <a:p>
             <a:pPr lvl="4"/>
             <a:r>
-              <a:rPr lang="en-US" smtClean="0"/>
+              <a:rPr lang="en-US"/>
               <a:t>Fifth level</a:t>
             </a:r>
-            <a:endParaRPr lang="en-US"/>
           </a:p>
         </p:txBody>
       </p:sp>
@@ -914,7 +909,7 @@
           <a:p>
             <a:fld id="{78C97017-6FC3-485B-9764-EAC9E56C1D49}" type="datetimeFigureOut">
               <a:rPr lang="en-US" smtClean="0"/>
-              <a:t>9/14/2017</a:t>
+              <a:t>8/9/2018</a:t>
             </a:fld>
             <a:endParaRPr lang="en-US"/>
           </a:p>
@@ -1013,10 +1008,9 @@
           <a:lstStyle/>
           <a:p>
             <a:r>
-              <a:rPr lang="en-US" smtClean="0"/>
+              <a:rPr lang="en-US"/>
               <a:t>Click to edit Master title style</a:t>
             </a:r>
-            <a:endParaRPr lang="en-US"/>
           </a:p>
         </p:txBody>
       </p:sp>
@@ -1042,38 +1036,37 @@
           <a:p>
             <a:pPr lvl="0"/>
             <a:r>
-              <a:rPr lang="en-US" smtClean="0"/>
+              <a:rPr lang="en-US"/>
               <a:t>Click to edit Master text styles</a:t>
             </a:r>
           </a:p>
           <a:p>
             <a:pPr lvl="1"/>
             <a:r>
-              <a:rPr lang="en-US" smtClean="0"/>
+              <a:rPr lang="en-US"/>
               <a:t>Second level</a:t>
             </a:r>
           </a:p>
           <a:p>
             <a:pPr lvl="2"/>
             <a:r>
-              <a:rPr lang="en-US" smtClean="0"/>
+              <a:rPr lang="en-US"/>
               <a:t>Third level</a:t>
             </a:r>
           </a:p>
           <a:p>
             <a:pPr lvl="3"/>
             <a:r>
-              <a:rPr lang="en-US" smtClean="0"/>
+              <a:rPr lang="en-US"/>
               <a:t>Fourth level</a:t>
             </a:r>
           </a:p>
           <a:p>
             <a:pPr lvl="4"/>
             <a:r>
-              <a:rPr lang="en-US" smtClean="0"/>
+              <a:rPr lang="en-US"/>
               <a:t>Fifth level</a:t>
             </a:r>
-            <a:endParaRPr lang="en-US"/>
           </a:p>
         </p:txBody>
       </p:sp>
@@ -1094,7 +1087,7 @@
           <a:p>
             <a:fld id="{78C97017-6FC3-485B-9764-EAC9E56C1D49}" type="datetimeFigureOut">
               <a:rPr lang="en-US" smtClean="0"/>
-              <a:t>9/14/2017</a:t>
+              <a:t>8/9/2018</a:t>
             </a:fld>
             <a:endParaRPr lang="en-US"/>
           </a:p>
@@ -1188,10 +1181,9 @@
           <a:lstStyle/>
           <a:p>
             <a:r>
-              <a:rPr lang="en-US" smtClean="0"/>
+              <a:rPr lang="en-US"/>
               <a:t>Click to edit Master title style</a:t>
             </a:r>
-            <a:endParaRPr lang="en-US"/>
           </a:p>
         </p:txBody>
       </p:sp>
@@ -1212,38 +1204,37 @@
           <a:p>
             <a:pPr lvl="0"/>
             <a:r>
-              <a:rPr lang="en-US" smtClean="0"/>
+              <a:rPr lang="en-US"/>
               <a:t>Click to edit Master text styles</a:t>
             </a:r>
           </a:p>
           <a:p>
             <a:pPr lvl="1"/>
             <a:r>
-              <a:rPr lang="en-US" smtClean="0"/>
+              <a:rPr lang="en-US"/>
               <a:t>Second level</a:t>
             </a:r>
           </a:p>
           <a:p>
             <a:pPr lvl="2"/>
             <a:r>
-              <a:rPr lang="en-US" smtClean="0"/>
+              <a:rPr lang="en-US"/>
               <a:t>Third level</a:t>
             </a:r>
           </a:p>
           <a:p>
             <a:pPr lvl="3"/>
             <a:r>
-              <a:rPr lang="en-US" smtClean="0"/>
+              <a:rPr lang="en-US"/>
               <a:t>Fourth level</a:t>
             </a:r>
           </a:p>
           <a:p>
             <a:pPr lvl="4"/>
             <a:r>
-              <a:rPr lang="en-US" smtClean="0"/>
+              <a:rPr lang="en-US"/>
               <a:t>Fifth level</a:t>
             </a:r>
-            <a:endParaRPr lang="en-US"/>
           </a:p>
         </p:txBody>
       </p:sp>
@@ -1264,7 +1255,7 @@
           <a:p>
             <a:fld id="{78C97017-6FC3-485B-9764-EAC9E56C1D49}" type="datetimeFigureOut">
               <a:rPr lang="en-US" smtClean="0"/>
-              <a:t>9/14/2017</a:t>
+              <a:t>8/9/2018</a:t>
             </a:fld>
             <a:endParaRPr lang="en-US"/>
           </a:p>
@@ -1367,10 +1358,9 @@
           </a:lstStyle>
           <a:p>
             <a:r>
-              <a:rPr lang="en-US" smtClean="0"/>
+              <a:rPr lang="en-US"/>
               <a:t>Click to edit Master title style</a:t>
             </a:r>
-            <a:endParaRPr lang="en-US"/>
           </a:p>
         </p:txBody>
       </p:sp>
@@ -1487,7 +1477,7 @@
           <a:p>
             <a:pPr lvl="0"/>
             <a:r>
-              <a:rPr lang="en-US" smtClean="0"/>
+              <a:rPr lang="en-US"/>
               <a:t>Click to edit Master text styles</a:t>
             </a:r>
           </a:p>
@@ -1510,7 +1500,7 @@
           <a:p>
             <a:fld id="{78C97017-6FC3-485B-9764-EAC9E56C1D49}" type="datetimeFigureOut">
               <a:rPr lang="en-US" smtClean="0"/>
-              <a:t>9/14/2017</a:t>
+              <a:t>8/9/2018</a:t>
             </a:fld>
             <a:endParaRPr lang="en-US"/>
           </a:p>
@@ -1604,10 +1594,9 @@
           <a:lstStyle/>
           <a:p>
             <a:r>
-              <a:rPr lang="en-US" smtClean="0"/>
+              <a:rPr lang="en-US"/>
               <a:t>Click to edit Master title style</a:t>
             </a:r>
-            <a:endParaRPr lang="en-US"/>
           </a:p>
         </p:txBody>
       </p:sp>
@@ -1661,38 +1650,37 @@
           <a:p>
             <a:pPr lvl="0"/>
             <a:r>
-              <a:rPr lang="en-US" smtClean="0"/>
+              <a:rPr lang="en-US"/>
               <a:t>Click to edit Master text styles</a:t>
             </a:r>
           </a:p>
           <a:p>
             <a:pPr lvl="1"/>
             <a:r>
-              <a:rPr lang="en-US" smtClean="0"/>
+              <a:rPr lang="en-US"/>
               <a:t>Second level</a:t>
             </a:r>
           </a:p>
           <a:p>
             <a:pPr lvl="2"/>
             <a:r>
-              <a:rPr lang="en-US" smtClean="0"/>
+              <a:rPr lang="en-US"/>
               <a:t>Third level</a:t>
             </a:r>
           </a:p>
           <a:p>
             <a:pPr lvl="3"/>
             <a:r>
-              <a:rPr lang="en-US" smtClean="0"/>
+              <a:rPr lang="en-US"/>
               <a:t>Fourth level</a:t>
             </a:r>
           </a:p>
           <a:p>
             <a:pPr lvl="4"/>
             <a:r>
-              <a:rPr lang="en-US" smtClean="0"/>
+              <a:rPr lang="en-US"/>
               <a:t>Fifth level</a:t>
             </a:r>
-            <a:endParaRPr lang="en-US"/>
           </a:p>
         </p:txBody>
       </p:sp>
@@ -1746,38 +1734,37 @@
           <a:p>
             <a:pPr lvl="0"/>
             <a:r>
-              <a:rPr lang="en-US" smtClean="0"/>
+              <a:rPr lang="en-US"/>
               <a:t>Click to edit Master text styles</a:t>
             </a:r>
           </a:p>
           <a:p>
             <a:pPr lvl="1"/>
             <a:r>
-              <a:rPr lang="en-US" smtClean="0"/>
+              <a:rPr lang="en-US"/>
               <a:t>Second level</a:t>
             </a:r>
           </a:p>
           <a:p>
             <a:pPr lvl="2"/>
             <a:r>
-              <a:rPr lang="en-US" smtClean="0"/>
+              <a:rPr lang="en-US"/>
               <a:t>Third level</a:t>
             </a:r>
           </a:p>
           <a:p>
             <a:pPr lvl="3"/>
             <a:r>
-              <a:rPr lang="en-US" smtClean="0"/>
+              <a:rPr lang="en-US"/>
               <a:t>Fourth level</a:t>
             </a:r>
           </a:p>
           <a:p>
             <a:pPr lvl="4"/>
             <a:r>
-              <a:rPr lang="en-US" smtClean="0"/>
+              <a:rPr lang="en-US"/>
               <a:t>Fifth level</a:t>
             </a:r>
-            <a:endParaRPr lang="en-US"/>
           </a:p>
         </p:txBody>
       </p:sp>
@@ -1798,7 +1785,7 @@
           <a:p>
             <a:fld id="{78C97017-6FC3-485B-9764-EAC9E56C1D49}" type="datetimeFigureOut">
               <a:rPr lang="en-US" smtClean="0"/>
-              <a:t>9/14/2017</a:t>
+              <a:t>8/9/2018</a:t>
             </a:fld>
             <a:endParaRPr lang="en-US"/>
           </a:p>
@@ -1896,10 +1883,9 @@
           </a:lstStyle>
           <a:p>
             <a:r>
-              <a:rPr lang="en-US" smtClean="0"/>
+              <a:rPr lang="en-US"/>
               <a:t>Click to edit Master title style</a:t>
             </a:r>
-            <a:endParaRPr lang="en-US"/>
           </a:p>
         </p:txBody>
       </p:sp>
@@ -1962,7 +1948,7 @@
           <a:p>
             <a:pPr lvl="0"/>
             <a:r>
-              <a:rPr lang="en-US" smtClean="0"/>
+              <a:rPr lang="en-US"/>
               <a:t>Click to edit Master text styles</a:t>
             </a:r>
           </a:p>
@@ -2018,38 +2004,37 @@
           <a:p>
             <a:pPr lvl="0"/>
             <a:r>
-              <a:rPr lang="en-US" smtClean="0"/>
+              <a:rPr lang="en-US"/>
               <a:t>Click to edit Master text styles</a:t>
             </a:r>
           </a:p>
           <a:p>
             <a:pPr lvl="1"/>
             <a:r>
-              <a:rPr lang="en-US" smtClean="0"/>
+              <a:rPr lang="en-US"/>
               <a:t>Second level</a:t>
             </a:r>
           </a:p>
           <a:p>
             <a:pPr lvl="2"/>
             <a:r>
-              <a:rPr lang="en-US" smtClean="0"/>
+              <a:rPr lang="en-US"/>
               <a:t>Third level</a:t>
             </a:r>
           </a:p>
           <a:p>
             <a:pPr lvl="3"/>
             <a:r>
-              <a:rPr lang="en-US" smtClean="0"/>
+              <a:rPr lang="en-US"/>
               <a:t>Fourth level</a:t>
             </a:r>
           </a:p>
           <a:p>
             <a:pPr lvl="4"/>
             <a:r>
-              <a:rPr lang="en-US" smtClean="0"/>
+              <a:rPr lang="en-US"/>
               <a:t>Fifth level</a:t>
             </a:r>
-            <a:endParaRPr lang="en-US"/>
           </a:p>
         </p:txBody>
       </p:sp>
@@ -2112,7 +2097,7 @@
           <a:p>
             <a:pPr lvl="0"/>
             <a:r>
-              <a:rPr lang="en-US" smtClean="0"/>
+              <a:rPr lang="en-US"/>
               <a:t>Click to edit Master text styles</a:t>
             </a:r>
           </a:p>
@@ -2168,38 +2153,37 @@
           <a:p>
             <a:pPr lvl="0"/>
             <a:r>
-              <a:rPr lang="en-US" smtClean="0"/>
+              <a:rPr lang="en-US"/>
               <a:t>Click to edit Master text styles</a:t>
             </a:r>
           </a:p>
           <a:p>
             <a:pPr lvl="1"/>
             <a:r>
-              <a:rPr lang="en-US" smtClean="0"/>
+              <a:rPr lang="en-US"/>
               <a:t>Second level</a:t>
             </a:r>
           </a:p>
           <a:p>
             <a:pPr lvl="2"/>
             <a:r>
-              <a:rPr lang="en-US" smtClean="0"/>
+              <a:rPr lang="en-US"/>
               <a:t>Third level</a:t>
             </a:r>
           </a:p>
           <a:p>
             <a:pPr lvl="3"/>
             <a:r>
-              <a:rPr lang="en-US" smtClean="0"/>
+              <a:rPr lang="en-US"/>
               <a:t>Fourth level</a:t>
             </a:r>
           </a:p>
           <a:p>
             <a:pPr lvl="4"/>
             <a:r>
-              <a:rPr lang="en-US" smtClean="0"/>
+              <a:rPr lang="en-US"/>
               <a:t>Fifth level</a:t>
             </a:r>
-            <a:endParaRPr lang="en-US"/>
           </a:p>
         </p:txBody>
       </p:sp>
@@ -2220,7 +2204,7 @@
           <a:p>
             <a:fld id="{78C97017-6FC3-485B-9764-EAC9E56C1D49}" type="datetimeFigureOut">
               <a:rPr lang="en-US" smtClean="0"/>
-              <a:t>9/14/2017</a:t>
+              <a:t>8/9/2018</a:t>
             </a:fld>
             <a:endParaRPr lang="en-US"/>
           </a:p>
@@ -2314,10 +2298,9 @@
           <a:lstStyle/>
           <a:p>
             <a:r>
-              <a:rPr lang="en-US" smtClean="0"/>
+              <a:rPr lang="en-US"/>
               <a:t>Click to edit Master title style</a:t>
             </a:r>
-            <a:endParaRPr lang="en-US"/>
           </a:p>
         </p:txBody>
       </p:sp>
@@ -2338,7 +2321,7 @@
           <a:p>
             <a:fld id="{78C97017-6FC3-485B-9764-EAC9E56C1D49}" type="datetimeFigureOut">
               <a:rPr lang="en-US" smtClean="0"/>
-              <a:t>9/14/2017</a:t>
+              <a:t>8/9/2018</a:t>
             </a:fld>
             <a:endParaRPr lang="en-US"/>
           </a:p>
@@ -2433,7 +2416,7 @@
           <a:p>
             <a:fld id="{78C97017-6FC3-485B-9764-EAC9E56C1D49}" type="datetimeFigureOut">
               <a:rPr lang="en-US" smtClean="0"/>
-              <a:t>9/14/2017</a:t>
+              <a:t>8/9/2018</a:t>
             </a:fld>
             <a:endParaRPr lang="en-US"/>
           </a:p>
@@ -2536,10 +2519,9 @@
           </a:lstStyle>
           <a:p>
             <a:r>
-              <a:rPr lang="en-US" smtClean="0"/>
+              <a:rPr lang="en-US"/>
               <a:t>Click to edit Master title style</a:t>
             </a:r>
-            <a:endParaRPr lang="en-US"/>
           </a:p>
         </p:txBody>
       </p:sp>
@@ -2593,38 +2575,37 @@
           <a:p>
             <a:pPr lvl="0"/>
             <a:r>
-              <a:rPr lang="en-US" smtClean="0"/>
+              <a:rPr lang="en-US"/>
               <a:t>Click to edit Master text styles</a:t>
             </a:r>
           </a:p>
           <a:p>
             <a:pPr lvl="1"/>
             <a:r>
-              <a:rPr lang="en-US" smtClean="0"/>
+              <a:rPr lang="en-US"/>
               <a:t>Second level</a:t>
             </a:r>
           </a:p>
           <a:p>
             <a:pPr lvl="2"/>
             <a:r>
-              <a:rPr lang="en-US" smtClean="0"/>
+              <a:rPr lang="en-US"/>
               <a:t>Third level</a:t>
             </a:r>
           </a:p>
           <a:p>
             <a:pPr lvl="3"/>
             <a:r>
-              <a:rPr lang="en-US" smtClean="0"/>
+              <a:rPr lang="en-US"/>
               <a:t>Fourth level</a:t>
             </a:r>
           </a:p>
           <a:p>
             <a:pPr lvl="4"/>
             <a:r>
-              <a:rPr lang="en-US" smtClean="0"/>
+              <a:rPr lang="en-US"/>
               <a:t>Fifth level</a:t>
             </a:r>
-            <a:endParaRPr lang="en-US"/>
           </a:p>
         </p:txBody>
       </p:sp>
@@ -2687,7 +2668,7 @@
           <a:p>
             <a:pPr lvl="0"/>
             <a:r>
-              <a:rPr lang="en-US" smtClean="0"/>
+              <a:rPr lang="en-US"/>
               <a:t>Click to edit Master text styles</a:t>
             </a:r>
           </a:p>
@@ -2710,7 +2691,7 @@
           <a:p>
             <a:fld id="{78C97017-6FC3-485B-9764-EAC9E56C1D49}" type="datetimeFigureOut">
               <a:rPr lang="en-US" smtClean="0"/>
-              <a:t>9/14/2017</a:t>
+              <a:t>8/9/2018</a:t>
             </a:fld>
             <a:endParaRPr lang="en-US"/>
           </a:p>
@@ -2813,10 +2794,9 @@
           </a:lstStyle>
           <a:p>
             <a:r>
-              <a:rPr lang="en-US" smtClean="0"/>
+              <a:rPr lang="en-US"/>
               <a:t>Click to edit Master title style</a:t>
             </a:r>
-            <a:endParaRPr lang="en-US"/>
           </a:p>
         </p:txBody>
       </p:sp>
@@ -2940,7 +2920,7 @@
           <a:p>
             <a:pPr lvl="0"/>
             <a:r>
-              <a:rPr lang="en-US" smtClean="0"/>
+              <a:rPr lang="en-US"/>
               <a:t>Click to edit Master text styles</a:t>
             </a:r>
           </a:p>
@@ -2963,7 +2943,7 @@
           <a:p>
             <a:fld id="{78C97017-6FC3-485B-9764-EAC9E56C1D49}" type="datetimeFigureOut">
               <a:rPr lang="en-US" smtClean="0"/>
-              <a:t>9/14/2017</a:t>
+              <a:t>8/9/2018</a:t>
             </a:fld>
             <a:endParaRPr lang="en-US"/>
           </a:p>
@@ -3072,10 +3052,9 @@
           <a:lstStyle/>
           <a:p>
             <a:r>
-              <a:rPr lang="en-US" smtClean="0"/>
+              <a:rPr lang="en-US"/>
               <a:t>Click to edit Master title style</a:t>
             </a:r>
-            <a:endParaRPr lang="en-US"/>
           </a:p>
         </p:txBody>
       </p:sp>
@@ -3106,38 +3085,37 @@
           <a:p>
             <a:pPr lvl="0"/>
             <a:r>
-              <a:rPr lang="en-US" smtClean="0"/>
+              <a:rPr lang="en-US"/>
               <a:t>Click to edit Master text styles</a:t>
             </a:r>
           </a:p>
           <a:p>
             <a:pPr lvl="1"/>
             <a:r>
-              <a:rPr lang="en-US" smtClean="0"/>
+              <a:rPr lang="en-US"/>
               <a:t>Second level</a:t>
             </a:r>
           </a:p>
           <a:p>
             <a:pPr lvl="2"/>
             <a:r>
-              <a:rPr lang="en-US" smtClean="0"/>
+              <a:rPr lang="en-US"/>
               <a:t>Third level</a:t>
             </a:r>
           </a:p>
           <a:p>
             <a:pPr lvl="3"/>
             <a:r>
-              <a:rPr lang="en-US" smtClean="0"/>
+              <a:rPr lang="en-US"/>
               <a:t>Fourth level</a:t>
             </a:r>
           </a:p>
           <a:p>
             <a:pPr lvl="4"/>
             <a:r>
-              <a:rPr lang="en-US" smtClean="0"/>
+              <a:rPr lang="en-US"/>
               <a:t>Fifth level</a:t>
             </a:r>
-            <a:endParaRPr lang="en-US"/>
           </a:p>
         </p:txBody>
       </p:sp>
@@ -3176,7 +3154,7 @@
           <a:p>
             <a:fld id="{78C97017-6FC3-485B-9764-EAC9E56C1D49}" type="datetimeFigureOut">
               <a:rPr lang="en-US" smtClean="0"/>
-              <a:t>9/14/2017</a:t>
+              <a:t>8/9/2018</a:t>
             </a:fld>
             <a:endParaRPr lang="en-US"/>
           </a:p>
@@ -3567,15 +3545,15 @@
           <a:lstStyle/>
           <a:p>
             <a:r>
-              <a:rPr lang="en-US" dirty="0" err="1" smtClean="0"/>
+              <a:rPr lang="en-US" dirty="0" err="1"/>
               <a:t>AddressBook</a:t>
             </a:r>
             <a:r>
-              <a:rPr lang="en-US" dirty="0" smtClean="0"/>
+              <a:rPr lang="en-US" dirty="0"/>
               <a:t> – </a:t>
             </a:r>
             <a:r>
-              <a:rPr lang="en-US" smtClean="0"/>
+              <a:rPr lang="en-US"/>
               <a:t>Level 3</a:t>
             </a:r>
             <a:endParaRPr lang="en-US" dirty="0"/>
@@ -3598,10 +3576,9 @@
           <a:lstStyle/>
           <a:p>
             <a:r>
-              <a:rPr lang="en-US" dirty="0" smtClean="0"/>
+              <a:rPr lang="en-US" dirty="0"/>
               <a:t>Diagrams</a:t>
             </a:r>
-            <a:endParaRPr lang="en-US" dirty="0"/>
           </a:p>
         </p:txBody>
       </p:sp>
@@ -3738,7 +3715,7 @@
           <a:p>
             <a:pPr algn="ctr"/>
             <a:r>
-              <a:rPr lang="en-US" sz="1050" dirty="0" smtClean="0">
+              <a:rPr lang="en-US" sz="1050" dirty="0">
                 <a:solidFill>
                   <a:schemeClr val="bg1"/>
                 </a:solidFill>
@@ -3849,59 +3826,8 @@
           <a:p>
             <a:pPr algn="ctr"/>
             <a:r>
-              <a:rPr lang="en-US" sz="1050" dirty="0" smtClean="0"/>
+              <a:rPr lang="en-US" sz="1050" dirty="0"/>
               <a:t>Parser</a:t>
-            </a:r>
-            <a:endParaRPr lang="en-SG" sz="1050" dirty="0"/>
-          </a:p>
-        </p:txBody>
-      </p:sp>
-      <p:sp>
-        <p:nvSpPr>
-          <p:cNvPr id="15" name="Rectangle 14"/>
-          <p:cNvSpPr/>
-          <p:nvPr/>
-        </p:nvSpPr>
-        <p:spPr>
-          <a:xfrm>
-            <a:off x="5099296" y="3032560"/>
-            <a:ext cx="929296" cy="346760"/>
-          </a:xfrm>
-          <a:prstGeom prst="rect">
-            <a:avLst/>
-          </a:prstGeom>
-          <a:ln w="19050"/>
-          <a:effectLst/>
-        </p:spPr>
-        <p:style>
-          <a:lnRef idx="1">
-            <a:schemeClr val="accent6"/>
-          </a:lnRef>
-          <a:fillRef idx="2">
-            <a:schemeClr val="accent6"/>
-          </a:fillRef>
-          <a:effectRef idx="1">
-            <a:schemeClr val="accent6"/>
-          </a:effectRef>
-          <a:fontRef idx="minor">
-            <a:schemeClr val="dk1"/>
-          </a:fontRef>
-        </p:style>
-        <p:txBody>
-          <a:bodyPr rtlCol="0" anchor="ctr"/>
-          <a:lstStyle/>
-          <a:p>
-            <a:pPr algn="ctr"/>
-            <a:r>
-              <a:rPr lang="en-US" sz="1050" dirty="0" smtClean="0"/>
-              <a:t>Unique</a:t>
-            </a:r>
-            <a:br>
-              <a:rPr lang="en-US" sz="1050" dirty="0" smtClean="0"/>
-            </a:br>
-            <a:r>
-              <a:rPr lang="en-US" sz="1050" dirty="0" err="1" smtClean="0"/>
-              <a:t>TagList</a:t>
             </a:r>
             <a:endParaRPr lang="en-SG" sz="1050" dirty="0"/>
           </a:p>
@@ -3944,14 +3870,14 @@
           <a:p>
             <a:pPr algn="ctr"/>
             <a:r>
-              <a:rPr lang="en-US" sz="1050" dirty="0" smtClean="0"/>
+              <a:rPr lang="en-US" sz="1050" dirty="0"/>
               <a:t>Unique</a:t>
             </a:r>
             <a:br>
-              <a:rPr lang="en-US" sz="1050" dirty="0" smtClean="0"/>
+              <a:rPr lang="en-US" sz="1050" dirty="0"/>
             </a:br>
             <a:r>
-              <a:rPr lang="en-US" sz="1050" dirty="0" err="1" smtClean="0"/>
+              <a:rPr lang="en-US" sz="1050" dirty="0" err="1"/>
               <a:t>PersonList</a:t>
             </a:r>
             <a:endParaRPr lang="en-SG" sz="1050" dirty="0"/>
@@ -4002,7 +3928,7 @@
           <a:p>
             <a:pPr algn="ctr"/>
             <a:r>
-              <a:rPr lang="en-US" sz="1050" dirty="0" smtClean="0">
+              <a:rPr lang="en-US" sz="1050" dirty="0">
                 <a:solidFill>
                   <a:schemeClr val="bg1"/>
                 </a:solidFill>
@@ -4054,7 +3980,7 @@
           <a:p>
             <a:pPr algn="ctr"/>
             <a:r>
-              <a:rPr lang="en-US" sz="1050" dirty="0" smtClean="0"/>
+              <a:rPr lang="en-US" sz="1050" dirty="0"/>
               <a:t>Phone</a:t>
             </a:r>
             <a:endParaRPr lang="en-SG" sz="1050" dirty="0"/>
@@ -4098,7 +4024,7 @@
           <a:p>
             <a:pPr algn="ctr"/>
             <a:r>
-              <a:rPr lang="en-US" sz="1050" dirty="0" smtClean="0"/>
+              <a:rPr lang="en-US" sz="1050" dirty="0"/>
               <a:t>Email</a:t>
             </a:r>
             <a:endParaRPr lang="en-SG" sz="1050" dirty="0"/>
@@ -4142,7 +4068,7 @@
           <a:p>
             <a:pPr algn="ctr"/>
             <a:r>
-              <a:rPr lang="en-US" sz="1050" dirty="0" smtClean="0"/>
+              <a:rPr lang="en-US" sz="1050" dirty="0"/>
               <a:t>Address</a:t>
             </a:r>
             <a:endParaRPr lang="en-SG" sz="1050" dirty="0"/>
@@ -4337,44 +4263,6 @@
       </p:cxnSp>
       <p:cxnSp>
         <p:nvCxnSpPr>
-          <p:cNvPr id="48" name="Elbow Connector 47"/>
-          <p:cNvCxnSpPr>
-            <a:stCxn id="106" idx="3"/>
-            <a:endCxn id="15" idx="1"/>
-          </p:cNvCxnSpPr>
-          <p:nvPr/>
-        </p:nvCxnSpPr>
-        <p:spPr>
-          <a:xfrm flipV="1">
-            <a:off x="4648442" y="3205940"/>
-            <a:ext cx="450854" cy="712546"/>
-          </a:xfrm>
-          <a:prstGeom prst="bentConnector3">
-            <a:avLst/>
-          </a:prstGeom>
-          <a:ln w="19050">
-            <a:headEnd type="none" w="med" len="med"/>
-            <a:tailEnd type="arrow" w="med" len="med"/>
-          </a:ln>
-          <a:effectLst/>
-        </p:spPr>
-        <p:style>
-          <a:lnRef idx="1">
-            <a:schemeClr val="accent6"/>
-          </a:lnRef>
-          <a:fillRef idx="2">
-            <a:schemeClr val="accent6"/>
-          </a:fillRef>
-          <a:effectRef idx="1">
-            <a:schemeClr val="accent6"/>
-          </a:effectRef>
-          <a:fontRef idx="minor">
-            <a:schemeClr val="dk1"/>
-          </a:fontRef>
-        </p:style>
-      </p:cxnSp>
-      <p:cxnSp>
-        <p:nvCxnSpPr>
           <p:cNvPr id="51" name="Elbow Connector 50"/>
           <p:cNvCxnSpPr>
             <a:stCxn id="106" idx="3"/>
@@ -4417,20 +4305,18 @@
         <p:nvCxnSpPr>
           <p:cNvPr id="62" name="Elbow Connector 61"/>
           <p:cNvCxnSpPr>
-            <a:stCxn id="19" idx="0"/>
-            <a:endCxn id="79" idx="2"/>
+            <a:cxnSpLocks/>
+            <a:endCxn id="77" idx="1"/>
           </p:cNvCxnSpPr>
           <p:nvPr/>
         </p:nvCxnSpPr>
         <p:spPr>
           <a:xfrm rot="5400000" flipH="1" flipV="1">
-            <a:off x="6615674" y="3866003"/>
-            <a:ext cx="973365" cy="12700"/>
-          </a:xfrm>
-          <a:prstGeom prst="bentConnector3">
-            <a:avLst>
-              <a:gd name="adj1" fmla="val 50000"/>
-            </a:avLst>
+            <a:off x="7436346" y="3758388"/>
+            <a:ext cx="1323414" cy="203993"/>
+          </a:xfrm>
+          <a:prstGeom prst="bentConnector2">
+            <a:avLst/>
           </a:prstGeom>
           <a:ln w="19050">
             <a:solidFill>
@@ -4587,50 +4473,6 @@
       </p:cxnSp>
       <p:sp>
         <p:nvSpPr>
-          <p:cNvPr id="79" name="Rectangle 78"/>
-          <p:cNvSpPr/>
-          <p:nvPr/>
-        </p:nvSpPr>
-        <p:spPr>
-          <a:xfrm>
-            <a:off x="6637708" y="3032560"/>
-            <a:ext cx="929296" cy="346760"/>
-          </a:xfrm>
-          <a:prstGeom prst="rect">
-            <a:avLst/>
-          </a:prstGeom>
-          <a:ln w="19050"/>
-          <a:effectLst/>
-        </p:spPr>
-        <p:style>
-          <a:lnRef idx="1">
-            <a:schemeClr val="accent6"/>
-          </a:lnRef>
-          <a:fillRef idx="2">
-            <a:schemeClr val="accent6"/>
-          </a:fillRef>
-          <a:effectRef idx="1">
-            <a:schemeClr val="accent6"/>
-          </a:effectRef>
-          <a:fontRef idx="minor">
-            <a:schemeClr val="dk1"/>
-          </a:fontRef>
-        </p:style>
-        <p:txBody>
-          <a:bodyPr rtlCol="0" anchor="ctr"/>
-          <a:lstStyle/>
-          <a:p>
-            <a:pPr algn="ctr"/>
-            <a:r>
-              <a:rPr lang="en-US" sz="1050" dirty="0"/>
-              <a:t>Tag</a:t>
-            </a:r>
-            <a:endParaRPr lang="en-SG" sz="1050" dirty="0"/>
-          </a:p>
-        </p:txBody>
-      </p:sp>
-      <p:sp>
-        <p:nvSpPr>
           <p:cNvPr id="90" name="Flowchart: Decision 89"/>
           <p:cNvSpPr/>
           <p:nvPr/>
@@ -4682,47 +4524,6 @@
       </p:sp>
       <p:sp>
         <p:nvSpPr>
-          <p:cNvPr id="97" name="Flowchart: Decision 96"/>
-          <p:cNvSpPr/>
-          <p:nvPr/>
-        </p:nvSpPr>
-        <p:spPr>
-          <a:xfrm>
-            <a:off x="6028592" y="3131950"/>
-            <a:ext cx="236048" cy="173380"/>
-          </a:xfrm>
-          <a:prstGeom prst="flowChartDecision">
-            <a:avLst/>
-          </a:prstGeom>
-          <a:noFill/>
-          <a:ln w="19050"/>
-          <a:effectLst/>
-        </p:spPr>
-        <p:style>
-          <a:lnRef idx="1">
-            <a:schemeClr val="accent6"/>
-          </a:lnRef>
-          <a:fillRef idx="2">
-            <a:schemeClr val="accent6"/>
-          </a:fillRef>
-          <a:effectRef idx="1">
-            <a:schemeClr val="accent6"/>
-          </a:effectRef>
-          <a:fontRef idx="minor">
-            <a:schemeClr val="dk1"/>
-          </a:fontRef>
-        </p:style>
-        <p:txBody>
-          <a:bodyPr rtlCol="0" anchor="ctr"/>
-          <a:lstStyle/>
-          <a:p>
-            <a:pPr algn="ctr"/>
-            <a:endParaRPr lang="en-US" sz="1050"/>
-          </a:p>
-        </p:txBody>
-      </p:sp>
-      <p:sp>
-        <p:nvSpPr>
           <p:cNvPr id="100" name="Flowchart: Decision 99"/>
           <p:cNvSpPr/>
           <p:nvPr/>
@@ -4805,44 +4606,6 @@
           </a:p>
         </p:txBody>
       </p:sp>
-      <p:cxnSp>
-        <p:nvCxnSpPr>
-          <p:cNvPr id="114" name="Straight Arrow Connector 113"/>
-          <p:cNvCxnSpPr>
-            <a:stCxn id="97" idx="3"/>
-            <a:endCxn id="79" idx="1"/>
-          </p:cNvCxnSpPr>
-          <p:nvPr/>
-        </p:nvCxnSpPr>
-        <p:spPr>
-          <a:xfrm flipV="1">
-            <a:off x="6264640" y="3205940"/>
-            <a:ext cx="373068" cy="12700"/>
-          </a:xfrm>
-          <a:prstGeom prst="straightConnector1">
-            <a:avLst/>
-          </a:prstGeom>
-          <a:ln w="19050">
-            <a:headEnd type="none" w="med" len="med"/>
-            <a:tailEnd type="arrow" w="med" len="med"/>
-          </a:ln>
-          <a:effectLst/>
-        </p:spPr>
-        <p:style>
-          <a:lnRef idx="1">
-            <a:schemeClr val="accent6"/>
-          </a:lnRef>
-          <a:fillRef idx="2">
-            <a:schemeClr val="accent6"/>
-          </a:fillRef>
-          <a:effectRef idx="1">
-            <a:schemeClr val="accent6"/>
-          </a:effectRef>
-          <a:fontRef idx="minor">
-            <a:schemeClr val="dk1"/>
-          </a:fontRef>
-        </p:style>
-      </p:cxnSp>
       <p:cxnSp>
         <p:nvCxnSpPr>
           <p:cNvPr id="115" name="Straight Arrow Connector 114"/>
@@ -5456,7 +5219,7 @@
           <a:p>
             <a:pPr algn="ctr"/>
             <a:r>
-              <a:rPr lang="en-US" sz="1050" dirty="0" smtClean="0"/>
+              <a:rPr lang="en-US" sz="1050" dirty="0"/>
               <a:t>…Command</a:t>
             </a:r>
             <a:endParaRPr lang="en-SG" sz="1050" dirty="0"/>
@@ -5886,7 +5649,7 @@
           <a:p>
             <a:pPr algn="ctr"/>
             <a:r>
-              <a:rPr lang="en-US" sz="1050" dirty="0" smtClean="0">
+              <a:rPr lang="en-US" sz="1050" dirty="0">
                 <a:solidFill>
                   <a:schemeClr val="bg1">
                     <a:lumMod val="50000"/>
@@ -5951,7 +5714,7 @@
           <a:p>
             <a:pPr algn="ctr"/>
             <a:r>
-              <a:rPr lang="en-US" sz="1050" dirty="0" err="1" smtClean="0">
+              <a:rPr lang="en-US" sz="1050" dirty="0" err="1">
                 <a:solidFill>
                   <a:schemeClr val="bg1">
                     <a:lumMod val="50000"/>
@@ -6055,7 +5818,7 @@
           <a:p>
             <a:pPr algn="ctr"/>
             <a:r>
-              <a:rPr lang="en-US" sz="1050" dirty="0" smtClean="0"/>
+              <a:rPr lang="en-US" sz="1050" dirty="0"/>
               <a:t>Adapted…</a:t>
             </a:r>
             <a:endParaRPr lang="en-SG" sz="1050" dirty="0"/>
@@ -6590,7 +6353,7 @@
           <a:p>
             <a:pPr algn="ctr"/>
             <a:r>
-              <a:rPr lang="en-US" sz="1050" dirty="0" smtClean="0"/>
+              <a:rPr lang="en-US" sz="1050" dirty="0"/>
               <a:t>Formatter</a:t>
             </a:r>
             <a:endParaRPr lang="en-SG" sz="1050" dirty="0"/>
@@ -6905,6 +6668,56 @@
           </a:fontRef>
         </p:style>
       </p:cxnSp>
+      <p:sp>
+        <p:nvSpPr>
+          <p:cNvPr id="77" name="Rectangle 76">
+            <a:extLst>
+              <a:ext uri="{FF2B5EF4-FFF2-40B4-BE49-F238E27FC236}">
+                <a16:creationId xmlns:a16="http://schemas.microsoft.com/office/drawing/2014/main" id="{EB1C6FCB-4308-4137-9E99-0864906A5EF4}"/>
+              </a:ext>
+            </a:extLst>
+          </p:cNvPr>
+          <p:cNvSpPr/>
+          <p:nvPr/>
+        </p:nvSpPr>
+        <p:spPr>
+          <a:xfrm>
+            <a:off x="8200050" y="3025297"/>
+            <a:ext cx="929296" cy="346760"/>
+          </a:xfrm>
+          <a:prstGeom prst="rect">
+            <a:avLst/>
+          </a:prstGeom>
+          <a:ln w="19050"/>
+          <a:effectLst/>
+        </p:spPr>
+        <p:style>
+          <a:lnRef idx="1">
+            <a:schemeClr val="accent4"/>
+          </a:lnRef>
+          <a:fillRef idx="2">
+            <a:schemeClr val="accent4"/>
+          </a:fillRef>
+          <a:effectRef idx="1">
+            <a:schemeClr val="accent4"/>
+          </a:effectRef>
+          <a:fontRef idx="minor">
+            <a:schemeClr val="dk1"/>
+          </a:fontRef>
+        </p:style>
+        <p:txBody>
+          <a:bodyPr rtlCol="0" anchor="ctr"/>
+          <a:lstStyle/>
+          <a:p>
+            <a:pPr algn="ctr"/>
+            <a:r>
+              <a:rPr lang="en-US" sz="1050" dirty="0"/>
+              <a:t>Tag</a:t>
+            </a:r>
+            <a:endParaRPr lang="en-SG" sz="1050" dirty="0"/>
+          </a:p>
+        </p:txBody>
+      </p:sp>
     </p:spTree>
     <p:extLst>
       <p:ext uri="{BB962C8B-B14F-4D97-AF65-F5344CB8AC3E}">
@@ -6979,7 +6792,7 @@
           <a:p>
             <a:pPr algn="ctr"/>
             <a:r>
-              <a:rPr lang="en-US" sz="1050" dirty="0" smtClean="0">
+              <a:rPr lang="en-US" sz="1050" dirty="0">
                 <a:solidFill>
                   <a:schemeClr val="bg1"/>
                 </a:solidFill>
@@ -7457,7 +7270,7 @@
           <a:p>
             <a:pPr algn="ctr"/>
             <a:r>
-              <a:rPr lang="en-US" sz="1050" dirty="0" err="1" smtClean="0">
+              <a:rPr lang="en-US" sz="1050" dirty="0" err="1">
                 <a:solidFill>
                   <a:srgbClr val="0070C0"/>
                 </a:solidFill>
@@ -7770,7 +7583,7 @@
           <a:p>
             <a:pPr algn="ctr"/>
             <a:r>
-              <a:rPr lang="en-US" sz="1050" dirty="0" err="1" smtClean="0">
+              <a:rPr lang="en-US" sz="1050" dirty="0" err="1">
                 <a:solidFill>
                   <a:srgbClr val="0070C0"/>
                 </a:solidFill>
@@ -7913,7 +7726,7 @@
           <a:p>
             <a:pPr algn="ctr"/>
             <a:r>
-              <a:rPr lang="en-US" sz="1050" dirty="0" err="1" smtClean="0">
+              <a:rPr lang="en-US" sz="1050" dirty="0" err="1">
                 <a:solidFill>
                   <a:srgbClr val="00B050"/>
                 </a:solidFill>
@@ -7972,7 +7785,7 @@
           <a:p>
             <a:pPr algn="ctr"/>
             <a:r>
-              <a:rPr lang="en-US" sz="1050" dirty="0" err="1" smtClean="0">
+              <a:rPr lang="en-US" sz="1050" dirty="0" err="1">
                 <a:solidFill>
                   <a:schemeClr val="bg1"/>
                 </a:solidFill>
@@ -8548,7 +8361,7 @@
           <a:p>
             <a:pPr algn="ctr"/>
             <a:r>
-              <a:rPr lang="en-US" sz="1050" dirty="0" err="1" smtClean="0">
+              <a:rPr lang="en-US" sz="1050" dirty="0" err="1">
                 <a:solidFill>
                   <a:schemeClr val="bg1"/>
                 </a:solidFill>
@@ -8896,7 +8709,7 @@
           <a:p>
             <a:pPr algn="ctr"/>
             <a:r>
-              <a:rPr lang="en-US" sz="1050" dirty="0" err="1" smtClean="0">
+              <a:rPr lang="en-US" sz="1050" dirty="0" err="1">
                 <a:solidFill>
                   <a:srgbClr val="0070C0"/>
                 </a:solidFill>
@@ -9039,7 +8852,7 @@
           <a:p>
             <a:pPr algn="ctr"/>
             <a:r>
-              <a:rPr lang="en-US" sz="1050" dirty="0" err="1" smtClean="0">
+              <a:rPr lang="en-US" sz="1050" dirty="0" err="1">
                 <a:solidFill>
                   <a:srgbClr val="00B050"/>
                 </a:solidFill>
@@ -9179,10 +8992,9 @@
           <a:p>
             <a:pPr algn="ctr"/>
             <a:r>
-              <a:rPr lang="en-SG" sz="1050" dirty="0" smtClean="0"/>
+              <a:rPr lang="en-SG" sz="1050" dirty="0"/>
               <a:t>&lt;&lt;interface&gt;&gt; Printable</a:t>
             </a:r>
-            <a:endParaRPr lang="en-SG" sz="1050" dirty="0"/>
           </a:p>
         </p:txBody>
       </p:sp>
@@ -9223,7 +9035,7 @@
           <a:p>
             <a:pPr algn="ctr"/>
             <a:r>
-              <a:rPr lang="en-US" sz="1050" dirty="0" smtClean="0"/>
+              <a:rPr lang="en-US" sz="1050" dirty="0"/>
               <a:t>Phone</a:t>
             </a:r>
             <a:endParaRPr lang="en-SG" sz="1050" dirty="0"/>
@@ -9267,7 +9079,7 @@
           <a:p>
             <a:pPr algn="ctr"/>
             <a:r>
-              <a:rPr lang="en-US" sz="1050" dirty="0" smtClean="0"/>
+              <a:rPr lang="en-US" sz="1050" dirty="0"/>
               <a:t>Email</a:t>
             </a:r>
             <a:endParaRPr lang="en-SG" sz="1050" dirty="0"/>
@@ -9311,7 +9123,7 @@
           <a:p>
             <a:pPr algn="ctr"/>
             <a:r>
-              <a:rPr lang="en-US" sz="1050" dirty="0" smtClean="0"/>
+              <a:rPr lang="en-US" sz="1050" dirty="0"/>
               <a:t>Address</a:t>
             </a:r>
             <a:endParaRPr lang="en-SG" sz="1050" dirty="0"/>
@@ -9512,7 +9324,7 @@
           <a:p>
             <a:pPr algn="ctr"/>
             <a:r>
-              <a:rPr lang="en-US" sz="1050" dirty="0" smtClean="0"/>
+              <a:rPr lang="en-US" sz="1050" dirty="0"/>
               <a:t>Name</a:t>
             </a:r>
             <a:endParaRPr lang="en-SG" sz="1050" dirty="0"/>
@@ -9635,15 +9447,15 @@
           <a:p>
             <a:pPr algn="ctr"/>
             <a:r>
-              <a:rPr lang="en-US" sz="1050" dirty="0" smtClean="0"/>
+              <a:rPr lang="en-US" sz="1050" dirty="0"/>
               <a:t>+ </a:t>
             </a:r>
             <a:r>
-              <a:rPr lang="en-US" sz="1050" dirty="0" err="1" smtClean="0"/>
+              <a:rPr lang="en-US" sz="1050" dirty="0" err="1"/>
               <a:t>getPrintableString</a:t>
             </a:r>
             <a:r>
-              <a:rPr lang="en-US" sz="1050" dirty="0" smtClean="0"/>
+              <a:rPr lang="en-US" sz="1050" dirty="0"/>
               <a:t>(): String</a:t>
             </a:r>
             <a:endParaRPr lang="en-SG" sz="1050" dirty="0"/>
